--- a/ppt 16-9/0860.乐做主仆.pptx
+++ b/ppt 16-9/0860.乐做主仆.pptx
@@ -129,7 +129,7 @@
           <p:cNvPr id="2" name="标题 1">
             <a:extLst>
               <a:ext uri="{FF2B5EF4-FFF2-40B4-BE49-F238E27FC236}">
-                <a16:creationId xmlns:a16="http://schemas.microsoft.com/office/drawing/2014/main" id="{CD030B27-691A-2327-F39F-DE535463DBDF}"/>
+                <a16:creationId xmlns:a16="http://schemas.microsoft.com/office/drawing/2014/main" id="{264F779B-7DA4-CA6C-36F6-0057AA45BD9F}"/>
               </a:ext>
             </a:extLst>
           </p:cNvPr>
@@ -166,7 +166,7 @@
           <p:cNvPr id="3" name="副标题 2">
             <a:extLst>
               <a:ext uri="{FF2B5EF4-FFF2-40B4-BE49-F238E27FC236}">
-                <a16:creationId xmlns:a16="http://schemas.microsoft.com/office/drawing/2014/main" id="{574CE209-1B9A-C0EC-0D50-56CBC8D4FF05}"/>
+                <a16:creationId xmlns:a16="http://schemas.microsoft.com/office/drawing/2014/main" id="{77CABE97-8352-DC28-6232-C406C25E24BF}"/>
               </a:ext>
             </a:extLst>
           </p:cNvPr>
@@ -236,7 +236,7 @@
           <p:cNvPr id="4" name="日期占位符 3">
             <a:extLst>
               <a:ext uri="{FF2B5EF4-FFF2-40B4-BE49-F238E27FC236}">
-                <a16:creationId xmlns:a16="http://schemas.microsoft.com/office/drawing/2014/main" id="{7D5B59A4-6ED3-A3EB-60D0-BD0D4E11A5BA}"/>
+                <a16:creationId xmlns:a16="http://schemas.microsoft.com/office/drawing/2014/main" id="{F3ACB22B-F53B-BB21-1CF2-7A3E0EA29445}"/>
               </a:ext>
             </a:extLst>
           </p:cNvPr>
@@ -252,7 +252,7 @@
           <a:bodyPr/>
           <a:lstStyle/>
           <a:p>
-            <a:fld id="{E8C49DC0-8344-4013-8137-4546A14FD937}" type="datetimeFigureOut">
+            <a:fld id="{722D8A69-1A43-433F-8CFB-701398646BE4}" type="datetimeFigureOut">
               <a:rPr lang="zh-CN" altLang="en-US" smtClean="0"/>
               <a:t>2024/3/10</a:t>
             </a:fld>
@@ -265,7 +265,7 @@
           <p:cNvPr id="5" name="页脚占位符 4">
             <a:extLst>
               <a:ext uri="{FF2B5EF4-FFF2-40B4-BE49-F238E27FC236}">
-                <a16:creationId xmlns:a16="http://schemas.microsoft.com/office/drawing/2014/main" id="{B8F60A85-0738-41B2-9BBF-C33284B3F170}"/>
+                <a16:creationId xmlns:a16="http://schemas.microsoft.com/office/drawing/2014/main" id="{E4F24A14-5A71-E467-87D5-8AC9D101D347}"/>
               </a:ext>
             </a:extLst>
           </p:cNvPr>
@@ -290,7 +290,7 @@
           <p:cNvPr id="6" name="灯片编号占位符 5">
             <a:extLst>
               <a:ext uri="{FF2B5EF4-FFF2-40B4-BE49-F238E27FC236}">
-                <a16:creationId xmlns:a16="http://schemas.microsoft.com/office/drawing/2014/main" id="{1DFA480A-71DC-D9A0-2C95-CB2D9FFD242B}"/>
+                <a16:creationId xmlns:a16="http://schemas.microsoft.com/office/drawing/2014/main" id="{9C1F52AA-F972-FEC9-4CDA-F53B9744C304}"/>
               </a:ext>
             </a:extLst>
           </p:cNvPr>
@@ -306,7 +306,7 @@
           <a:bodyPr/>
           <a:lstStyle/>
           <a:p>
-            <a:fld id="{1EDCD499-5428-4884-8FEA-623EF4E5D25D}" type="slidenum">
+            <a:fld id="{DAA54E53-87F4-4645-9F7E-227ED385B92A}" type="slidenum">
               <a:rPr lang="zh-CN" altLang="en-US" smtClean="0"/>
               <a:t>‹#›</a:t>
             </a:fld>
@@ -317,7 +317,7 @@
     </p:spTree>
     <p:extLst>
       <p:ext uri="{BB962C8B-B14F-4D97-AF65-F5344CB8AC3E}">
-        <p14:creationId xmlns:p14="http://schemas.microsoft.com/office/powerpoint/2010/main" val="3776201344"/>
+        <p14:creationId xmlns:p14="http://schemas.microsoft.com/office/powerpoint/2010/main" val="343158037"/>
       </p:ext>
     </p:extLst>
   </p:cSld>
@@ -349,7 +349,7 @@
           <p:cNvPr id="2" name="标题 1">
             <a:extLst>
               <a:ext uri="{FF2B5EF4-FFF2-40B4-BE49-F238E27FC236}">
-                <a16:creationId xmlns:a16="http://schemas.microsoft.com/office/drawing/2014/main" id="{A957640D-E853-2BF1-9545-CDDCDE9B0FB9}"/>
+                <a16:creationId xmlns:a16="http://schemas.microsoft.com/office/drawing/2014/main" id="{7097CDF3-9672-63FB-3640-AC4F4C072011}"/>
               </a:ext>
             </a:extLst>
           </p:cNvPr>
@@ -377,7 +377,7 @@
           <p:cNvPr id="3" name="竖排文字占位符 2">
             <a:extLst>
               <a:ext uri="{FF2B5EF4-FFF2-40B4-BE49-F238E27FC236}">
-                <a16:creationId xmlns:a16="http://schemas.microsoft.com/office/drawing/2014/main" id="{3F6C75FB-9907-EEB0-1C5F-A9223DA5995E}"/>
+                <a16:creationId xmlns:a16="http://schemas.microsoft.com/office/drawing/2014/main" id="{51EB9C59-86C6-DEFC-62C5-3902BFE8A6B8}"/>
               </a:ext>
             </a:extLst>
           </p:cNvPr>
@@ -434,7 +434,7 @@
           <p:cNvPr id="4" name="日期占位符 3">
             <a:extLst>
               <a:ext uri="{FF2B5EF4-FFF2-40B4-BE49-F238E27FC236}">
-                <a16:creationId xmlns:a16="http://schemas.microsoft.com/office/drawing/2014/main" id="{73171F22-998C-507C-7BA4-4A93C9D946B4}"/>
+                <a16:creationId xmlns:a16="http://schemas.microsoft.com/office/drawing/2014/main" id="{5068B1DF-9E14-81E1-7F61-10111BA87D3B}"/>
               </a:ext>
             </a:extLst>
           </p:cNvPr>
@@ -450,7 +450,7 @@
           <a:bodyPr/>
           <a:lstStyle/>
           <a:p>
-            <a:fld id="{E8C49DC0-8344-4013-8137-4546A14FD937}" type="datetimeFigureOut">
+            <a:fld id="{722D8A69-1A43-433F-8CFB-701398646BE4}" type="datetimeFigureOut">
               <a:rPr lang="zh-CN" altLang="en-US" smtClean="0"/>
               <a:t>2024/3/10</a:t>
             </a:fld>
@@ -463,7 +463,7 @@
           <p:cNvPr id="5" name="页脚占位符 4">
             <a:extLst>
               <a:ext uri="{FF2B5EF4-FFF2-40B4-BE49-F238E27FC236}">
-                <a16:creationId xmlns:a16="http://schemas.microsoft.com/office/drawing/2014/main" id="{8484DD38-F474-F356-58C6-57CCF250C570}"/>
+                <a16:creationId xmlns:a16="http://schemas.microsoft.com/office/drawing/2014/main" id="{F73466DB-92D2-E420-3009-91EC7E5CFCBC}"/>
               </a:ext>
             </a:extLst>
           </p:cNvPr>
@@ -488,7 +488,7 @@
           <p:cNvPr id="6" name="灯片编号占位符 5">
             <a:extLst>
               <a:ext uri="{FF2B5EF4-FFF2-40B4-BE49-F238E27FC236}">
-                <a16:creationId xmlns:a16="http://schemas.microsoft.com/office/drawing/2014/main" id="{4C223E45-081D-5A8D-29B3-758E8F489926}"/>
+                <a16:creationId xmlns:a16="http://schemas.microsoft.com/office/drawing/2014/main" id="{F41B607A-6E08-70B0-FA80-AA20C63E07E7}"/>
               </a:ext>
             </a:extLst>
           </p:cNvPr>
@@ -504,7 +504,7 @@
           <a:bodyPr/>
           <a:lstStyle/>
           <a:p>
-            <a:fld id="{1EDCD499-5428-4884-8FEA-623EF4E5D25D}" type="slidenum">
+            <a:fld id="{DAA54E53-87F4-4645-9F7E-227ED385B92A}" type="slidenum">
               <a:rPr lang="zh-CN" altLang="en-US" smtClean="0"/>
               <a:t>‹#›</a:t>
             </a:fld>
@@ -515,7 +515,7 @@
     </p:spTree>
     <p:extLst>
       <p:ext uri="{BB962C8B-B14F-4D97-AF65-F5344CB8AC3E}">
-        <p14:creationId xmlns:p14="http://schemas.microsoft.com/office/powerpoint/2010/main" val="2473191904"/>
+        <p14:creationId xmlns:p14="http://schemas.microsoft.com/office/powerpoint/2010/main" val="3034583823"/>
       </p:ext>
     </p:extLst>
   </p:cSld>
@@ -547,7 +547,7 @@
           <p:cNvPr id="2" name="竖排标题 1">
             <a:extLst>
               <a:ext uri="{FF2B5EF4-FFF2-40B4-BE49-F238E27FC236}">
-                <a16:creationId xmlns:a16="http://schemas.microsoft.com/office/drawing/2014/main" id="{A6419A52-75D4-A1BB-3F87-6C1F8E11B6FB}"/>
+                <a16:creationId xmlns:a16="http://schemas.microsoft.com/office/drawing/2014/main" id="{08954BEB-917E-C0FD-821A-6CD517B0C773}"/>
               </a:ext>
             </a:extLst>
           </p:cNvPr>
@@ -580,7 +580,7 @@
           <p:cNvPr id="3" name="竖排文字占位符 2">
             <a:extLst>
               <a:ext uri="{FF2B5EF4-FFF2-40B4-BE49-F238E27FC236}">
-                <a16:creationId xmlns:a16="http://schemas.microsoft.com/office/drawing/2014/main" id="{14384899-5F92-ABB1-E86D-FB0138AEF8C4}"/>
+                <a16:creationId xmlns:a16="http://schemas.microsoft.com/office/drawing/2014/main" id="{B7173EB1-B2EC-2714-272B-ED5152D442FB}"/>
               </a:ext>
             </a:extLst>
           </p:cNvPr>
@@ -642,7 +642,7 @@
           <p:cNvPr id="4" name="日期占位符 3">
             <a:extLst>
               <a:ext uri="{FF2B5EF4-FFF2-40B4-BE49-F238E27FC236}">
-                <a16:creationId xmlns:a16="http://schemas.microsoft.com/office/drawing/2014/main" id="{1FCA344B-A717-2092-F47B-66434DECF978}"/>
+                <a16:creationId xmlns:a16="http://schemas.microsoft.com/office/drawing/2014/main" id="{FC7C0462-EA8B-1E7C-8BC6-5F290870D828}"/>
               </a:ext>
             </a:extLst>
           </p:cNvPr>
@@ -658,7 +658,7 @@
           <a:bodyPr/>
           <a:lstStyle/>
           <a:p>
-            <a:fld id="{E8C49DC0-8344-4013-8137-4546A14FD937}" type="datetimeFigureOut">
+            <a:fld id="{722D8A69-1A43-433F-8CFB-701398646BE4}" type="datetimeFigureOut">
               <a:rPr lang="zh-CN" altLang="en-US" smtClean="0"/>
               <a:t>2024/3/10</a:t>
             </a:fld>
@@ -671,7 +671,7 @@
           <p:cNvPr id="5" name="页脚占位符 4">
             <a:extLst>
               <a:ext uri="{FF2B5EF4-FFF2-40B4-BE49-F238E27FC236}">
-                <a16:creationId xmlns:a16="http://schemas.microsoft.com/office/drawing/2014/main" id="{4FCE2D56-9C18-9E9E-A39F-6674197159F3}"/>
+                <a16:creationId xmlns:a16="http://schemas.microsoft.com/office/drawing/2014/main" id="{3CAB82E7-C4D4-245A-9E87-EDA9F80721A6}"/>
               </a:ext>
             </a:extLst>
           </p:cNvPr>
@@ -696,7 +696,7 @@
           <p:cNvPr id="6" name="灯片编号占位符 5">
             <a:extLst>
               <a:ext uri="{FF2B5EF4-FFF2-40B4-BE49-F238E27FC236}">
-                <a16:creationId xmlns:a16="http://schemas.microsoft.com/office/drawing/2014/main" id="{75F84E43-3CDD-6999-94CE-77ECE43AF640}"/>
+                <a16:creationId xmlns:a16="http://schemas.microsoft.com/office/drawing/2014/main" id="{5F8BAD4C-29DD-8275-E478-F347A3A7DA8F}"/>
               </a:ext>
             </a:extLst>
           </p:cNvPr>
@@ -712,7 +712,7 @@
           <a:bodyPr/>
           <a:lstStyle/>
           <a:p>
-            <a:fld id="{1EDCD499-5428-4884-8FEA-623EF4E5D25D}" type="slidenum">
+            <a:fld id="{DAA54E53-87F4-4645-9F7E-227ED385B92A}" type="slidenum">
               <a:rPr lang="zh-CN" altLang="en-US" smtClean="0"/>
               <a:t>‹#›</a:t>
             </a:fld>
@@ -723,7 +723,7 @@
     </p:spTree>
     <p:extLst>
       <p:ext uri="{BB962C8B-B14F-4D97-AF65-F5344CB8AC3E}">
-        <p14:creationId xmlns:p14="http://schemas.microsoft.com/office/powerpoint/2010/main" val="962948039"/>
+        <p14:creationId xmlns:p14="http://schemas.microsoft.com/office/powerpoint/2010/main" val="1805664472"/>
       </p:ext>
     </p:extLst>
   </p:cSld>
@@ -755,7 +755,7 @@
           <p:cNvPr id="2" name="标题 1">
             <a:extLst>
               <a:ext uri="{FF2B5EF4-FFF2-40B4-BE49-F238E27FC236}">
-                <a16:creationId xmlns:a16="http://schemas.microsoft.com/office/drawing/2014/main" id="{A211850E-28EF-CC21-71C8-A03BB01A890E}"/>
+                <a16:creationId xmlns:a16="http://schemas.microsoft.com/office/drawing/2014/main" id="{401DB4B1-4695-81AF-80F4-7C72F00A11F2}"/>
               </a:ext>
             </a:extLst>
           </p:cNvPr>
@@ -783,7 +783,7 @@
           <p:cNvPr id="3" name="内容占位符 2">
             <a:extLst>
               <a:ext uri="{FF2B5EF4-FFF2-40B4-BE49-F238E27FC236}">
-                <a16:creationId xmlns:a16="http://schemas.microsoft.com/office/drawing/2014/main" id="{62B886BF-F67B-2F49-B9DF-AA0AA11DDFBB}"/>
+                <a16:creationId xmlns:a16="http://schemas.microsoft.com/office/drawing/2014/main" id="{2C5A29CE-8C22-D7F3-47C7-EA432F8A4C41}"/>
               </a:ext>
             </a:extLst>
           </p:cNvPr>
@@ -840,7 +840,7 @@
           <p:cNvPr id="4" name="日期占位符 3">
             <a:extLst>
               <a:ext uri="{FF2B5EF4-FFF2-40B4-BE49-F238E27FC236}">
-                <a16:creationId xmlns:a16="http://schemas.microsoft.com/office/drawing/2014/main" id="{3A270853-FD06-6EC1-8E35-58EDDFE1B102}"/>
+                <a16:creationId xmlns:a16="http://schemas.microsoft.com/office/drawing/2014/main" id="{370135C5-401B-687F-206D-913AA39FD19F}"/>
               </a:ext>
             </a:extLst>
           </p:cNvPr>
@@ -856,7 +856,7 @@
           <a:bodyPr/>
           <a:lstStyle/>
           <a:p>
-            <a:fld id="{E8C49DC0-8344-4013-8137-4546A14FD937}" type="datetimeFigureOut">
+            <a:fld id="{722D8A69-1A43-433F-8CFB-701398646BE4}" type="datetimeFigureOut">
               <a:rPr lang="zh-CN" altLang="en-US" smtClean="0"/>
               <a:t>2024/3/10</a:t>
             </a:fld>
@@ -869,7 +869,7 @@
           <p:cNvPr id="5" name="页脚占位符 4">
             <a:extLst>
               <a:ext uri="{FF2B5EF4-FFF2-40B4-BE49-F238E27FC236}">
-                <a16:creationId xmlns:a16="http://schemas.microsoft.com/office/drawing/2014/main" id="{9F2AC5D4-D0B4-4155-A42F-7C5B3F6E5B6F}"/>
+                <a16:creationId xmlns:a16="http://schemas.microsoft.com/office/drawing/2014/main" id="{F8E0145D-7683-D9E4-3FC3-70C0D2B626B3}"/>
               </a:ext>
             </a:extLst>
           </p:cNvPr>
@@ -894,7 +894,7 @@
           <p:cNvPr id="6" name="灯片编号占位符 5">
             <a:extLst>
               <a:ext uri="{FF2B5EF4-FFF2-40B4-BE49-F238E27FC236}">
-                <a16:creationId xmlns:a16="http://schemas.microsoft.com/office/drawing/2014/main" id="{66218E69-BBBE-E25D-39C6-CAE3E4493626}"/>
+                <a16:creationId xmlns:a16="http://schemas.microsoft.com/office/drawing/2014/main" id="{F6733F35-E018-1685-CE58-9D187512F14B}"/>
               </a:ext>
             </a:extLst>
           </p:cNvPr>
@@ -910,7 +910,7 @@
           <a:bodyPr/>
           <a:lstStyle/>
           <a:p>
-            <a:fld id="{1EDCD499-5428-4884-8FEA-623EF4E5D25D}" type="slidenum">
+            <a:fld id="{DAA54E53-87F4-4645-9F7E-227ED385B92A}" type="slidenum">
               <a:rPr lang="zh-CN" altLang="en-US" smtClean="0"/>
               <a:t>‹#›</a:t>
             </a:fld>
@@ -921,7 +921,7 @@
     </p:spTree>
     <p:extLst>
       <p:ext uri="{BB962C8B-B14F-4D97-AF65-F5344CB8AC3E}">
-        <p14:creationId xmlns:p14="http://schemas.microsoft.com/office/powerpoint/2010/main" val="3583788773"/>
+        <p14:creationId xmlns:p14="http://schemas.microsoft.com/office/powerpoint/2010/main" val="3356682405"/>
       </p:ext>
     </p:extLst>
   </p:cSld>
@@ -953,7 +953,7 @@
           <p:cNvPr id="2" name="标题 1">
             <a:extLst>
               <a:ext uri="{FF2B5EF4-FFF2-40B4-BE49-F238E27FC236}">
-                <a16:creationId xmlns:a16="http://schemas.microsoft.com/office/drawing/2014/main" id="{AD122E7E-13FA-54C5-B6BB-F02D0A11DDB5}"/>
+                <a16:creationId xmlns:a16="http://schemas.microsoft.com/office/drawing/2014/main" id="{FDA17BC4-F942-F1D4-03A8-85E5782D4D7C}"/>
               </a:ext>
             </a:extLst>
           </p:cNvPr>
@@ -990,7 +990,7 @@
           <p:cNvPr id="3" name="文本占位符 2">
             <a:extLst>
               <a:ext uri="{FF2B5EF4-FFF2-40B4-BE49-F238E27FC236}">
-                <a16:creationId xmlns:a16="http://schemas.microsoft.com/office/drawing/2014/main" id="{C1C33865-B15A-C250-FB51-BBCBC88C5CAC}"/>
+                <a16:creationId xmlns:a16="http://schemas.microsoft.com/office/drawing/2014/main" id="{70AA1994-E651-D941-DBEB-F6E5C1B0A502}"/>
               </a:ext>
             </a:extLst>
           </p:cNvPr>
@@ -1115,7 +1115,7 @@
           <p:cNvPr id="4" name="日期占位符 3">
             <a:extLst>
               <a:ext uri="{FF2B5EF4-FFF2-40B4-BE49-F238E27FC236}">
-                <a16:creationId xmlns:a16="http://schemas.microsoft.com/office/drawing/2014/main" id="{7F0F9643-2F10-B9DB-DFAD-03C47FE13DE6}"/>
+                <a16:creationId xmlns:a16="http://schemas.microsoft.com/office/drawing/2014/main" id="{ACF1128D-DF63-99CA-E96D-183732002B80}"/>
               </a:ext>
             </a:extLst>
           </p:cNvPr>
@@ -1131,7 +1131,7 @@
           <a:bodyPr/>
           <a:lstStyle/>
           <a:p>
-            <a:fld id="{E8C49DC0-8344-4013-8137-4546A14FD937}" type="datetimeFigureOut">
+            <a:fld id="{722D8A69-1A43-433F-8CFB-701398646BE4}" type="datetimeFigureOut">
               <a:rPr lang="zh-CN" altLang="en-US" smtClean="0"/>
               <a:t>2024/3/10</a:t>
             </a:fld>
@@ -1144,7 +1144,7 @@
           <p:cNvPr id="5" name="页脚占位符 4">
             <a:extLst>
               <a:ext uri="{FF2B5EF4-FFF2-40B4-BE49-F238E27FC236}">
-                <a16:creationId xmlns:a16="http://schemas.microsoft.com/office/drawing/2014/main" id="{57E8CAC8-1360-2628-68A0-FDD418886537}"/>
+                <a16:creationId xmlns:a16="http://schemas.microsoft.com/office/drawing/2014/main" id="{E8C9416D-C4E3-E2A5-0BF8-28C01F43554A}"/>
               </a:ext>
             </a:extLst>
           </p:cNvPr>
@@ -1169,7 +1169,7 @@
           <p:cNvPr id="6" name="灯片编号占位符 5">
             <a:extLst>
               <a:ext uri="{FF2B5EF4-FFF2-40B4-BE49-F238E27FC236}">
-                <a16:creationId xmlns:a16="http://schemas.microsoft.com/office/drawing/2014/main" id="{6F0BAD56-0885-D9E7-A804-E9D073B6AB1A}"/>
+                <a16:creationId xmlns:a16="http://schemas.microsoft.com/office/drawing/2014/main" id="{E4311CE2-0139-E687-6300-A9ACFD616490}"/>
               </a:ext>
             </a:extLst>
           </p:cNvPr>
@@ -1185,7 +1185,7 @@
           <a:bodyPr/>
           <a:lstStyle/>
           <a:p>
-            <a:fld id="{1EDCD499-5428-4884-8FEA-623EF4E5D25D}" type="slidenum">
+            <a:fld id="{DAA54E53-87F4-4645-9F7E-227ED385B92A}" type="slidenum">
               <a:rPr lang="zh-CN" altLang="en-US" smtClean="0"/>
               <a:t>‹#›</a:t>
             </a:fld>
@@ -1196,7 +1196,7 @@
     </p:spTree>
     <p:extLst>
       <p:ext uri="{BB962C8B-B14F-4D97-AF65-F5344CB8AC3E}">
-        <p14:creationId xmlns:p14="http://schemas.microsoft.com/office/powerpoint/2010/main" val="1833661550"/>
+        <p14:creationId xmlns:p14="http://schemas.microsoft.com/office/powerpoint/2010/main" val="2694427115"/>
       </p:ext>
     </p:extLst>
   </p:cSld>
@@ -1228,7 +1228,7 @@
           <p:cNvPr id="2" name="标题 1">
             <a:extLst>
               <a:ext uri="{FF2B5EF4-FFF2-40B4-BE49-F238E27FC236}">
-                <a16:creationId xmlns:a16="http://schemas.microsoft.com/office/drawing/2014/main" id="{F3D5EDE9-E6E2-1804-854F-0C7098FE9F02}"/>
+                <a16:creationId xmlns:a16="http://schemas.microsoft.com/office/drawing/2014/main" id="{AC28A13F-05F4-E18C-B118-0B289F8B8B34}"/>
               </a:ext>
             </a:extLst>
           </p:cNvPr>
@@ -1256,7 +1256,7 @@
           <p:cNvPr id="3" name="内容占位符 2">
             <a:extLst>
               <a:ext uri="{FF2B5EF4-FFF2-40B4-BE49-F238E27FC236}">
-                <a16:creationId xmlns:a16="http://schemas.microsoft.com/office/drawing/2014/main" id="{C37892B8-D0BB-0CBA-9B94-902449D2492B}"/>
+                <a16:creationId xmlns:a16="http://schemas.microsoft.com/office/drawing/2014/main" id="{F7A22C85-359B-85E6-7BD1-5075EB2187B1}"/>
               </a:ext>
             </a:extLst>
           </p:cNvPr>
@@ -1318,7 +1318,7 @@
           <p:cNvPr id="4" name="内容占位符 3">
             <a:extLst>
               <a:ext uri="{FF2B5EF4-FFF2-40B4-BE49-F238E27FC236}">
-                <a16:creationId xmlns:a16="http://schemas.microsoft.com/office/drawing/2014/main" id="{B2FE90DC-0218-6881-E649-877F8626DCE5}"/>
+                <a16:creationId xmlns:a16="http://schemas.microsoft.com/office/drawing/2014/main" id="{CFBAAA07-DACE-FBF9-1BFA-4A98E7FCBA92}"/>
               </a:ext>
             </a:extLst>
           </p:cNvPr>
@@ -1380,7 +1380,7 @@
           <p:cNvPr id="5" name="日期占位符 4">
             <a:extLst>
               <a:ext uri="{FF2B5EF4-FFF2-40B4-BE49-F238E27FC236}">
-                <a16:creationId xmlns:a16="http://schemas.microsoft.com/office/drawing/2014/main" id="{0016C62F-842B-8B17-6E59-896A6ACFECB4}"/>
+                <a16:creationId xmlns:a16="http://schemas.microsoft.com/office/drawing/2014/main" id="{D1D68B31-A258-9113-F860-794DA6EB6077}"/>
               </a:ext>
             </a:extLst>
           </p:cNvPr>
@@ -1396,7 +1396,7 @@
           <a:bodyPr/>
           <a:lstStyle/>
           <a:p>
-            <a:fld id="{E8C49DC0-8344-4013-8137-4546A14FD937}" type="datetimeFigureOut">
+            <a:fld id="{722D8A69-1A43-433F-8CFB-701398646BE4}" type="datetimeFigureOut">
               <a:rPr lang="zh-CN" altLang="en-US" smtClean="0"/>
               <a:t>2024/3/10</a:t>
             </a:fld>
@@ -1409,7 +1409,7 @@
           <p:cNvPr id="6" name="页脚占位符 5">
             <a:extLst>
               <a:ext uri="{FF2B5EF4-FFF2-40B4-BE49-F238E27FC236}">
-                <a16:creationId xmlns:a16="http://schemas.microsoft.com/office/drawing/2014/main" id="{EEE7F6F5-9673-77E0-F19E-83BC0832399A}"/>
+                <a16:creationId xmlns:a16="http://schemas.microsoft.com/office/drawing/2014/main" id="{87C46495-8344-5CF8-2BD2-6BFCCEEBF048}"/>
               </a:ext>
             </a:extLst>
           </p:cNvPr>
@@ -1434,7 +1434,7 @@
           <p:cNvPr id="7" name="灯片编号占位符 6">
             <a:extLst>
               <a:ext uri="{FF2B5EF4-FFF2-40B4-BE49-F238E27FC236}">
-                <a16:creationId xmlns:a16="http://schemas.microsoft.com/office/drawing/2014/main" id="{4BD0ED30-EA71-9E67-B3BB-BC2ACA182600}"/>
+                <a16:creationId xmlns:a16="http://schemas.microsoft.com/office/drawing/2014/main" id="{23DF8BEE-92A8-C85C-A069-B6D2D2197501}"/>
               </a:ext>
             </a:extLst>
           </p:cNvPr>
@@ -1450,7 +1450,7 @@
           <a:bodyPr/>
           <a:lstStyle/>
           <a:p>
-            <a:fld id="{1EDCD499-5428-4884-8FEA-623EF4E5D25D}" type="slidenum">
+            <a:fld id="{DAA54E53-87F4-4645-9F7E-227ED385B92A}" type="slidenum">
               <a:rPr lang="zh-CN" altLang="en-US" smtClean="0"/>
               <a:t>‹#›</a:t>
             </a:fld>
@@ -1461,7 +1461,7 @@
     </p:spTree>
     <p:extLst>
       <p:ext uri="{BB962C8B-B14F-4D97-AF65-F5344CB8AC3E}">
-        <p14:creationId xmlns:p14="http://schemas.microsoft.com/office/powerpoint/2010/main" val="3944712830"/>
+        <p14:creationId xmlns:p14="http://schemas.microsoft.com/office/powerpoint/2010/main" val="3611339611"/>
       </p:ext>
     </p:extLst>
   </p:cSld>
@@ -1493,7 +1493,7 @@
           <p:cNvPr id="2" name="标题 1">
             <a:extLst>
               <a:ext uri="{FF2B5EF4-FFF2-40B4-BE49-F238E27FC236}">
-                <a16:creationId xmlns:a16="http://schemas.microsoft.com/office/drawing/2014/main" id="{82531A10-E7E7-27CD-B2A8-702A8B77252E}"/>
+                <a16:creationId xmlns:a16="http://schemas.microsoft.com/office/drawing/2014/main" id="{84BCBF36-11B1-5EC4-54B2-13970BBFF60E}"/>
               </a:ext>
             </a:extLst>
           </p:cNvPr>
@@ -1526,7 +1526,7 @@
           <p:cNvPr id="3" name="文本占位符 2">
             <a:extLst>
               <a:ext uri="{FF2B5EF4-FFF2-40B4-BE49-F238E27FC236}">
-                <a16:creationId xmlns:a16="http://schemas.microsoft.com/office/drawing/2014/main" id="{D6C0C877-0A08-C385-B5F6-D197ADBA62BD}"/>
+                <a16:creationId xmlns:a16="http://schemas.microsoft.com/office/drawing/2014/main" id="{CC0DDA58-71E2-A476-3E93-A80704EA90DE}"/>
               </a:ext>
             </a:extLst>
           </p:cNvPr>
@@ -1597,7 +1597,7 @@
           <p:cNvPr id="4" name="内容占位符 3">
             <a:extLst>
               <a:ext uri="{FF2B5EF4-FFF2-40B4-BE49-F238E27FC236}">
-                <a16:creationId xmlns:a16="http://schemas.microsoft.com/office/drawing/2014/main" id="{E4501E9E-CD5A-56E9-9059-D7FC30B12499}"/>
+                <a16:creationId xmlns:a16="http://schemas.microsoft.com/office/drawing/2014/main" id="{29CEA1C8-4A48-44D7-A984-7F9A43200C84}"/>
               </a:ext>
             </a:extLst>
           </p:cNvPr>
@@ -1659,7 +1659,7 @@
           <p:cNvPr id="5" name="文本占位符 4">
             <a:extLst>
               <a:ext uri="{FF2B5EF4-FFF2-40B4-BE49-F238E27FC236}">
-                <a16:creationId xmlns:a16="http://schemas.microsoft.com/office/drawing/2014/main" id="{65949B18-C5FE-5433-3C5F-67A0288ABD84}"/>
+                <a16:creationId xmlns:a16="http://schemas.microsoft.com/office/drawing/2014/main" id="{A7870916-4674-A31F-C325-8F7F07BF071E}"/>
               </a:ext>
             </a:extLst>
           </p:cNvPr>
@@ -1730,7 +1730,7 @@
           <p:cNvPr id="6" name="内容占位符 5">
             <a:extLst>
               <a:ext uri="{FF2B5EF4-FFF2-40B4-BE49-F238E27FC236}">
-                <a16:creationId xmlns:a16="http://schemas.microsoft.com/office/drawing/2014/main" id="{B563D25F-4E06-34B6-7FB6-61B213479F6C}"/>
+                <a16:creationId xmlns:a16="http://schemas.microsoft.com/office/drawing/2014/main" id="{8B835691-ADF5-0B92-CA78-B7E68615064A}"/>
               </a:ext>
             </a:extLst>
           </p:cNvPr>
@@ -1792,7 +1792,7 @@
           <p:cNvPr id="7" name="日期占位符 6">
             <a:extLst>
               <a:ext uri="{FF2B5EF4-FFF2-40B4-BE49-F238E27FC236}">
-                <a16:creationId xmlns:a16="http://schemas.microsoft.com/office/drawing/2014/main" id="{2B887153-E8AB-790C-C0FC-DDA2481ECB3A}"/>
+                <a16:creationId xmlns:a16="http://schemas.microsoft.com/office/drawing/2014/main" id="{85390691-8B2A-011A-35F9-2D2904BE9DCB}"/>
               </a:ext>
             </a:extLst>
           </p:cNvPr>
@@ -1808,7 +1808,7 @@
           <a:bodyPr/>
           <a:lstStyle/>
           <a:p>
-            <a:fld id="{E8C49DC0-8344-4013-8137-4546A14FD937}" type="datetimeFigureOut">
+            <a:fld id="{722D8A69-1A43-433F-8CFB-701398646BE4}" type="datetimeFigureOut">
               <a:rPr lang="zh-CN" altLang="en-US" smtClean="0"/>
               <a:t>2024/3/10</a:t>
             </a:fld>
@@ -1821,7 +1821,7 @@
           <p:cNvPr id="8" name="页脚占位符 7">
             <a:extLst>
               <a:ext uri="{FF2B5EF4-FFF2-40B4-BE49-F238E27FC236}">
-                <a16:creationId xmlns:a16="http://schemas.microsoft.com/office/drawing/2014/main" id="{56AB3E70-49DE-E5B7-519F-5D8DD3402A23}"/>
+                <a16:creationId xmlns:a16="http://schemas.microsoft.com/office/drawing/2014/main" id="{43160EAB-0128-54F0-2C07-E98066306F01}"/>
               </a:ext>
             </a:extLst>
           </p:cNvPr>
@@ -1846,7 +1846,7 @@
           <p:cNvPr id="9" name="灯片编号占位符 8">
             <a:extLst>
               <a:ext uri="{FF2B5EF4-FFF2-40B4-BE49-F238E27FC236}">
-                <a16:creationId xmlns:a16="http://schemas.microsoft.com/office/drawing/2014/main" id="{A2CEBB84-42F7-7019-0D59-2D9A37E56965}"/>
+                <a16:creationId xmlns:a16="http://schemas.microsoft.com/office/drawing/2014/main" id="{ADC2B420-96CD-39B1-71F9-F613B2D684BA}"/>
               </a:ext>
             </a:extLst>
           </p:cNvPr>
@@ -1862,7 +1862,7 @@
           <a:bodyPr/>
           <a:lstStyle/>
           <a:p>
-            <a:fld id="{1EDCD499-5428-4884-8FEA-623EF4E5D25D}" type="slidenum">
+            <a:fld id="{DAA54E53-87F4-4645-9F7E-227ED385B92A}" type="slidenum">
               <a:rPr lang="zh-CN" altLang="en-US" smtClean="0"/>
               <a:t>‹#›</a:t>
             </a:fld>
@@ -1873,7 +1873,7 @@
     </p:spTree>
     <p:extLst>
       <p:ext uri="{BB962C8B-B14F-4D97-AF65-F5344CB8AC3E}">
-        <p14:creationId xmlns:p14="http://schemas.microsoft.com/office/powerpoint/2010/main" val="3755555377"/>
+        <p14:creationId xmlns:p14="http://schemas.microsoft.com/office/powerpoint/2010/main" val="3123321941"/>
       </p:ext>
     </p:extLst>
   </p:cSld>
@@ -1905,7 +1905,7 @@
           <p:cNvPr id="2" name="标题 1">
             <a:extLst>
               <a:ext uri="{FF2B5EF4-FFF2-40B4-BE49-F238E27FC236}">
-                <a16:creationId xmlns:a16="http://schemas.microsoft.com/office/drawing/2014/main" id="{DD2234A6-9D0A-E3E7-1F7C-B793C42F47F0}"/>
+                <a16:creationId xmlns:a16="http://schemas.microsoft.com/office/drawing/2014/main" id="{0FAB7E10-63BB-3FD2-9947-B8EAE451CE3E}"/>
               </a:ext>
             </a:extLst>
           </p:cNvPr>
@@ -1933,7 +1933,7 @@
           <p:cNvPr id="3" name="日期占位符 2">
             <a:extLst>
               <a:ext uri="{FF2B5EF4-FFF2-40B4-BE49-F238E27FC236}">
-                <a16:creationId xmlns:a16="http://schemas.microsoft.com/office/drawing/2014/main" id="{D4689528-009E-98FC-65C4-F8A91BAB0022}"/>
+                <a16:creationId xmlns:a16="http://schemas.microsoft.com/office/drawing/2014/main" id="{1DC4077E-4A51-D672-C35F-3388D0853820}"/>
               </a:ext>
             </a:extLst>
           </p:cNvPr>
@@ -1949,7 +1949,7 @@
           <a:bodyPr/>
           <a:lstStyle/>
           <a:p>
-            <a:fld id="{E8C49DC0-8344-4013-8137-4546A14FD937}" type="datetimeFigureOut">
+            <a:fld id="{722D8A69-1A43-433F-8CFB-701398646BE4}" type="datetimeFigureOut">
               <a:rPr lang="zh-CN" altLang="en-US" smtClean="0"/>
               <a:t>2024/3/10</a:t>
             </a:fld>
@@ -1962,7 +1962,7 @@
           <p:cNvPr id="4" name="页脚占位符 3">
             <a:extLst>
               <a:ext uri="{FF2B5EF4-FFF2-40B4-BE49-F238E27FC236}">
-                <a16:creationId xmlns:a16="http://schemas.microsoft.com/office/drawing/2014/main" id="{7C86CAC0-EF17-CF43-DC0A-076F1052AE49}"/>
+                <a16:creationId xmlns:a16="http://schemas.microsoft.com/office/drawing/2014/main" id="{4AA73FD1-17AC-8585-AA1F-4055A3F8C030}"/>
               </a:ext>
             </a:extLst>
           </p:cNvPr>
@@ -1987,7 +1987,7 @@
           <p:cNvPr id="5" name="灯片编号占位符 4">
             <a:extLst>
               <a:ext uri="{FF2B5EF4-FFF2-40B4-BE49-F238E27FC236}">
-                <a16:creationId xmlns:a16="http://schemas.microsoft.com/office/drawing/2014/main" id="{508739CA-E38F-1CC9-48A1-50F8007F82A1}"/>
+                <a16:creationId xmlns:a16="http://schemas.microsoft.com/office/drawing/2014/main" id="{B9ED3D7E-7277-3A17-F5A3-8DB4D0CBE80D}"/>
               </a:ext>
             </a:extLst>
           </p:cNvPr>
@@ -2003,7 +2003,7 @@
           <a:bodyPr/>
           <a:lstStyle/>
           <a:p>
-            <a:fld id="{1EDCD499-5428-4884-8FEA-623EF4E5D25D}" type="slidenum">
+            <a:fld id="{DAA54E53-87F4-4645-9F7E-227ED385B92A}" type="slidenum">
               <a:rPr lang="zh-CN" altLang="en-US" smtClean="0"/>
               <a:t>‹#›</a:t>
             </a:fld>
@@ -2014,7 +2014,7 @@
     </p:spTree>
     <p:extLst>
       <p:ext uri="{BB962C8B-B14F-4D97-AF65-F5344CB8AC3E}">
-        <p14:creationId xmlns:p14="http://schemas.microsoft.com/office/powerpoint/2010/main" val="4062512332"/>
+        <p14:creationId xmlns:p14="http://schemas.microsoft.com/office/powerpoint/2010/main" val="1868388170"/>
       </p:ext>
     </p:extLst>
   </p:cSld>
@@ -2046,7 +2046,7 @@
           <p:cNvPr id="2" name="日期占位符 1">
             <a:extLst>
               <a:ext uri="{FF2B5EF4-FFF2-40B4-BE49-F238E27FC236}">
-                <a16:creationId xmlns:a16="http://schemas.microsoft.com/office/drawing/2014/main" id="{B80EE11C-CEF1-909A-0438-593D5FDF4007}"/>
+                <a16:creationId xmlns:a16="http://schemas.microsoft.com/office/drawing/2014/main" id="{8E0FD6FF-3762-9097-D5EF-EABAB7A8C6D2}"/>
               </a:ext>
             </a:extLst>
           </p:cNvPr>
@@ -2062,7 +2062,7 @@
           <a:bodyPr/>
           <a:lstStyle/>
           <a:p>
-            <a:fld id="{E8C49DC0-8344-4013-8137-4546A14FD937}" type="datetimeFigureOut">
+            <a:fld id="{722D8A69-1A43-433F-8CFB-701398646BE4}" type="datetimeFigureOut">
               <a:rPr lang="zh-CN" altLang="en-US" smtClean="0"/>
               <a:t>2024/3/10</a:t>
             </a:fld>
@@ -2075,7 +2075,7 @@
           <p:cNvPr id="3" name="页脚占位符 2">
             <a:extLst>
               <a:ext uri="{FF2B5EF4-FFF2-40B4-BE49-F238E27FC236}">
-                <a16:creationId xmlns:a16="http://schemas.microsoft.com/office/drawing/2014/main" id="{4851E58D-2683-EADB-D82A-6AE68605954B}"/>
+                <a16:creationId xmlns:a16="http://schemas.microsoft.com/office/drawing/2014/main" id="{F1846D42-6149-0E5A-E87D-4AA3FBB4D4A3}"/>
               </a:ext>
             </a:extLst>
           </p:cNvPr>
@@ -2100,7 +2100,7 @@
           <p:cNvPr id="4" name="灯片编号占位符 3">
             <a:extLst>
               <a:ext uri="{FF2B5EF4-FFF2-40B4-BE49-F238E27FC236}">
-                <a16:creationId xmlns:a16="http://schemas.microsoft.com/office/drawing/2014/main" id="{F4C1B5FB-AD5D-3C5A-6EE8-F276B67DC9DA}"/>
+                <a16:creationId xmlns:a16="http://schemas.microsoft.com/office/drawing/2014/main" id="{C1774FCB-00FD-3F1B-8270-4AB3C49B8998}"/>
               </a:ext>
             </a:extLst>
           </p:cNvPr>
@@ -2116,7 +2116,7 @@
           <a:bodyPr/>
           <a:lstStyle/>
           <a:p>
-            <a:fld id="{1EDCD499-5428-4884-8FEA-623EF4E5D25D}" type="slidenum">
+            <a:fld id="{DAA54E53-87F4-4645-9F7E-227ED385B92A}" type="slidenum">
               <a:rPr lang="zh-CN" altLang="en-US" smtClean="0"/>
               <a:t>‹#›</a:t>
             </a:fld>
@@ -2127,7 +2127,7 @@
     </p:spTree>
     <p:extLst>
       <p:ext uri="{BB962C8B-B14F-4D97-AF65-F5344CB8AC3E}">
-        <p14:creationId xmlns:p14="http://schemas.microsoft.com/office/powerpoint/2010/main" val="2766825867"/>
+        <p14:creationId xmlns:p14="http://schemas.microsoft.com/office/powerpoint/2010/main" val="2650870340"/>
       </p:ext>
     </p:extLst>
   </p:cSld>
@@ -2159,7 +2159,7 @@
           <p:cNvPr id="2" name="标题 1">
             <a:extLst>
               <a:ext uri="{FF2B5EF4-FFF2-40B4-BE49-F238E27FC236}">
-                <a16:creationId xmlns:a16="http://schemas.microsoft.com/office/drawing/2014/main" id="{DA6B5DF9-0A8D-16EF-E252-D614F06819E7}"/>
+                <a16:creationId xmlns:a16="http://schemas.microsoft.com/office/drawing/2014/main" id="{C7919C33-A98B-4535-D086-8F9FC3DDF3A0}"/>
               </a:ext>
             </a:extLst>
           </p:cNvPr>
@@ -2196,7 +2196,7 @@
           <p:cNvPr id="3" name="内容占位符 2">
             <a:extLst>
               <a:ext uri="{FF2B5EF4-FFF2-40B4-BE49-F238E27FC236}">
-                <a16:creationId xmlns:a16="http://schemas.microsoft.com/office/drawing/2014/main" id="{B25D5E75-9C51-1AF6-803C-CBDF888E87BC}"/>
+                <a16:creationId xmlns:a16="http://schemas.microsoft.com/office/drawing/2014/main" id="{A9BE5F38-7E6D-F8F1-016F-75D30B1C176D}"/>
               </a:ext>
             </a:extLst>
           </p:cNvPr>
@@ -2286,7 +2286,7 @@
           <p:cNvPr id="4" name="文本占位符 3">
             <a:extLst>
               <a:ext uri="{FF2B5EF4-FFF2-40B4-BE49-F238E27FC236}">
-                <a16:creationId xmlns:a16="http://schemas.microsoft.com/office/drawing/2014/main" id="{02B587DB-0425-9386-21F0-9D664A0AC7BE}"/>
+                <a16:creationId xmlns:a16="http://schemas.microsoft.com/office/drawing/2014/main" id="{C677BFBD-C87A-38F3-729B-BBDBA88BA3E1}"/>
               </a:ext>
             </a:extLst>
           </p:cNvPr>
@@ -2357,7 +2357,7 @@
           <p:cNvPr id="5" name="日期占位符 4">
             <a:extLst>
               <a:ext uri="{FF2B5EF4-FFF2-40B4-BE49-F238E27FC236}">
-                <a16:creationId xmlns:a16="http://schemas.microsoft.com/office/drawing/2014/main" id="{8DD635EE-6725-A9FF-5943-A851B0ADAB4F}"/>
+                <a16:creationId xmlns:a16="http://schemas.microsoft.com/office/drawing/2014/main" id="{4BAF0A2B-AC0F-06D6-6F4F-BCD19AC37B05}"/>
               </a:ext>
             </a:extLst>
           </p:cNvPr>
@@ -2373,7 +2373,7 @@
           <a:bodyPr/>
           <a:lstStyle/>
           <a:p>
-            <a:fld id="{E8C49DC0-8344-4013-8137-4546A14FD937}" type="datetimeFigureOut">
+            <a:fld id="{722D8A69-1A43-433F-8CFB-701398646BE4}" type="datetimeFigureOut">
               <a:rPr lang="zh-CN" altLang="en-US" smtClean="0"/>
               <a:t>2024/3/10</a:t>
             </a:fld>
@@ -2386,7 +2386,7 @@
           <p:cNvPr id="6" name="页脚占位符 5">
             <a:extLst>
               <a:ext uri="{FF2B5EF4-FFF2-40B4-BE49-F238E27FC236}">
-                <a16:creationId xmlns:a16="http://schemas.microsoft.com/office/drawing/2014/main" id="{48A81F2D-D016-3332-A9FD-98FF5A3EFA70}"/>
+                <a16:creationId xmlns:a16="http://schemas.microsoft.com/office/drawing/2014/main" id="{0B96947A-5E5D-C28D-1A9D-58CE982C97AB}"/>
               </a:ext>
             </a:extLst>
           </p:cNvPr>
@@ -2411,7 +2411,7 @@
           <p:cNvPr id="7" name="灯片编号占位符 6">
             <a:extLst>
               <a:ext uri="{FF2B5EF4-FFF2-40B4-BE49-F238E27FC236}">
-                <a16:creationId xmlns:a16="http://schemas.microsoft.com/office/drawing/2014/main" id="{A0842AC6-9637-AF3C-0B43-0C1E90FE498C}"/>
+                <a16:creationId xmlns:a16="http://schemas.microsoft.com/office/drawing/2014/main" id="{4464A800-C986-B400-AF1C-64D1C5F1922F}"/>
               </a:ext>
             </a:extLst>
           </p:cNvPr>
@@ -2427,7 +2427,7 @@
           <a:bodyPr/>
           <a:lstStyle/>
           <a:p>
-            <a:fld id="{1EDCD499-5428-4884-8FEA-623EF4E5D25D}" type="slidenum">
+            <a:fld id="{DAA54E53-87F4-4645-9F7E-227ED385B92A}" type="slidenum">
               <a:rPr lang="zh-CN" altLang="en-US" smtClean="0"/>
               <a:t>‹#›</a:t>
             </a:fld>
@@ -2438,7 +2438,7 @@
     </p:spTree>
     <p:extLst>
       <p:ext uri="{BB962C8B-B14F-4D97-AF65-F5344CB8AC3E}">
-        <p14:creationId xmlns:p14="http://schemas.microsoft.com/office/powerpoint/2010/main" val="489296196"/>
+        <p14:creationId xmlns:p14="http://schemas.microsoft.com/office/powerpoint/2010/main" val="2132921035"/>
       </p:ext>
     </p:extLst>
   </p:cSld>
@@ -2470,7 +2470,7 @@
           <p:cNvPr id="2" name="标题 1">
             <a:extLst>
               <a:ext uri="{FF2B5EF4-FFF2-40B4-BE49-F238E27FC236}">
-                <a16:creationId xmlns:a16="http://schemas.microsoft.com/office/drawing/2014/main" id="{6D347A40-2EE9-60AF-1F41-6AF386FA6776}"/>
+                <a16:creationId xmlns:a16="http://schemas.microsoft.com/office/drawing/2014/main" id="{19BAFA45-DBED-A171-0BEA-75E804C0AEE9}"/>
               </a:ext>
             </a:extLst>
           </p:cNvPr>
@@ -2507,7 +2507,7 @@
           <p:cNvPr id="3" name="图片占位符 2">
             <a:extLst>
               <a:ext uri="{FF2B5EF4-FFF2-40B4-BE49-F238E27FC236}">
-                <a16:creationId xmlns:a16="http://schemas.microsoft.com/office/drawing/2014/main" id="{51AFD9C8-79EB-ED0B-4FFC-BF90C9265BE8}"/>
+                <a16:creationId xmlns:a16="http://schemas.microsoft.com/office/drawing/2014/main" id="{F59C04B8-DAD5-8072-4F93-17F71E0230F0}"/>
               </a:ext>
             </a:extLst>
           </p:cNvPr>
@@ -2574,7 +2574,7 @@
           <p:cNvPr id="4" name="文本占位符 3">
             <a:extLst>
               <a:ext uri="{FF2B5EF4-FFF2-40B4-BE49-F238E27FC236}">
-                <a16:creationId xmlns:a16="http://schemas.microsoft.com/office/drawing/2014/main" id="{18E8B33F-0FCE-3A35-F3D6-95E4EAED4AE3}"/>
+                <a16:creationId xmlns:a16="http://schemas.microsoft.com/office/drawing/2014/main" id="{4C6A5139-E406-17EC-59B6-0E6043311C05}"/>
               </a:ext>
             </a:extLst>
           </p:cNvPr>
@@ -2645,7 +2645,7 @@
           <p:cNvPr id="5" name="日期占位符 4">
             <a:extLst>
               <a:ext uri="{FF2B5EF4-FFF2-40B4-BE49-F238E27FC236}">
-                <a16:creationId xmlns:a16="http://schemas.microsoft.com/office/drawing/2014/main" id="{2D077511-4FFA-E327-7D07-E0DF7BC7707B}"/>
+                <a16:creationId xmlns:a16="http://schemas.microsoft.com/office/drawing/2014/main" id="{64A2CD04-4561-AB6C-90F0-3AF7C64466B6}"/>
               </a:ext>
             </a:extLst>
           </p:cNvPr>
@@ -2661,7 +2661,7 @@
           <a:bodyPr/>
           <a:lstStyle/>
           <a:p>
-            <a:fld id="{E8C49DC0-8344-4013-8137-4546A14FD937}" type="datetimeFigureOut">
+            <a:fld id="{722D8A69-1A43-433F-8CFB-701398646BE4}" type="datetimeFigureOut">
               <a:rPr lang="zh-CN" altLang="en-US" smtClean="0"/>
               <a:t>2024/3/10</a:t>
             </a:fld>
@@ -2674,7 +2674,7 @@
           <p:cNvPr id="6" name="页脚占位符 5">
             <a:extLst>
               <a:ext uri="{FF2B5EF4-FFF2-40B4-BE49-F238E27FC236}">
-                <a16:creationId xmlns:a16="http://schemas.microsoft.com/office/drawing/2014/main" id="{6549A784-B6BC-6AB4-A65A-084A13E439FF}"/>
+                <a16:creationId xmlns:a16="http://schemas.microsoft.com/office/drawing/2014/main" id="{822D501A-D7DF-98D4-4A8E-972D7BA24285}"/>
               </a:ext>
             </a:extLst>
           </p:cNvPr>
@@ -2699,7 +2699,7 @@
           <p:cNvPr id="7" name="灯片编号占位符 6">
             <a:extLst>
               <a:ext uri="{FF2B5EF4-FFF2-40B4-BE49-F238E27FC236}">
-                <a16:creationId xmlns:a16="http://schemas.microsoft.com/office/drawing/2014/main" id="{4D062F69-2A7D-D8EF-342D-2BB07BDC33ED}"/>
+                <a16:creationId xmlns:a16="http://schemas.microsoft.com/office/drawing/2014/main" id="{36404B7E-A8A3-9C3A-DCBE-8576C6040DD5}"/>
               </a:ext>
             </a:extLst>
           </p:cNvPr>
@@ -2715,7 +2715,7 @@
           <a:bodyPr/>
           <a:lstStyle/>
           <a:p>
-            <a:fld id="{1EDCD499-5428-4884-8FEA-623EF4E5D25D}" type="slidenum">
+            <a:fld id="{DAA54E53-87F4-4645-9F7E-227ED385B92A}" type="slidenum">
               <a:rPr lang="zh-CN" altLang="en-US" smtClean="0"/>
               <a:t>‹#›</a:t>
             </a:fld>
@@ -2726,7 +2726,7 @@
     </p:spTree>
     <p:extLst>
       <p:ext uri="{BB962C8B-B14F-4D97-AF65-F5344CB8AC3E}">
-        <p14:creationId xmlns:p14="http://schemas.microsoft.com/office/powerpoint/2010/main" val="2244187901"/>
+        <p14:creationId xmlns:p14="http://schemas.microsoft.com/office/powerpoint/2010/main" val="484718487"/>
       </p:ext>
     </p:extLst>
   </p:cSld>
@@ -2763,7 +2763,7 @@
           <p:cNvPr id="2" name="标题占位符 1">
             <a:extLst>
               <a:ext uri="{FF2B5EF4-FFF2-40B4-BE49-F238E27FC236}">
-                <a16:creationId xmlns:a16="http://schemas.microsoft.com/office/drawing/2014/main" id="{CEFEAEF0-8224-9698-765C-434D532FCCDF}"/>
+                <a16:creationId xmlns:a16="http://schemas.microsoft.com/office/drawing/2014/main" id="{7467AAED-AAB4-9C9B-5B92-2462457057E7}"/>
               </a:ext>
             </a:extLst>
           </p:cNvPr>
@@ -2801,7 +2801,7 @@
           <p:cNvPr id="3" name="文本占位符 2">
             <a:extLst>
               <a:ext uri="{FF2B5EF4-FFF2-40B4-BE49-F238E27FC236}">
-                <a16:creationId xmlns:a16="http://schemas.microsoft.com/office/drawing/2014/main" id="{1A680FD7-0A09-2DFE-D8D2-8FC50B6C6C06}"/>
+                <a16:creationId xmlns:a16="http://schemas.microsoft.com/office/drawing/2014/main" id="{03910708-88C7-087A-F7B3-345C2B26237D}"/>
               </a:ext>
             </a:extLst>
           </p:cNvPr>
@@ -2868,7 +2868,7 @@
           <p:cNvPr id="4" name="日期占位符 3">
             <a:extLst>
               <a:ext uri="{FF2B5EF4-FFF2-40B4-BE49-F238E27FC236}">
-                <a16:creationId xmlns:a16="http://schemas.microsoft.com/office/drawing/2014/main" id="{76CBAAF8-5361-F752-555D-DF775D2F0497}"/>
+                <a16:creationId xmlns:a16="http://schemas.microsoft.com/office/drawing/2014/main" id="{149CC02B-5ECC-0033-857D-D93497E9C9FE}"/>
               </a:ext>
             </a:extLst>
           </p:cNvPr>
@@ -2902,7 +2902,7 @@
             </a:lvl1pPr>
           </a:lstStyle>
           <a:p>
-            <a:fld id="{E8C49DC0-8344-4013-8137-4546A14FD937}" type="datetimeFigureOut">
+            <a:fld id="{722D8A69-1A43-433F-8CFB-701398646BE4}" type="datetimeFigureOut">
               <a:rPr lang="zh-CN" altLang="en-US" smtClean="0"/>
               <a:t>2024/3/10</a:t>
             </a:fld>
@@ -2915,7 +2915,7 @@
           <p:cNvPr id="5" name="页脚占位符 4">
             <a:extLst>
               <a:ext uri="{FF2B5EF4-FFF2-40B4-BE49-F238E27FC236}">
-                <a16:creationId xmlns:a16="http://schemas.microsoft.com/office/drawing/2014/main" id="{D30254BC-4333-D1E7-99A7-823DE0DAA3BE}"/>
+                <a16:creationId xmlns:a16="http://schemas.microsoft.com/office/drawing/2014/main" id="{61E9EF18-D2CF-2BA3-8471-C4F98FEE8E30}"/>
               </a:ext>
             </a:extLst>
           </p:cNvPr>
@@ -2958,7 +2958,7 @@
           <p:cNvPr id="6" name="灯片编号占位符 5">
             <a:extLst>
               <a:ext uri="{FF2B5EF4-FFF2-40B4-BE49-F238E27FC236}">
-                <a16:creationId xmlns:a16="http://schemas.microsoft.com/office/drawing/2014/main" id="{3085954D-35C6-EC94-F526-772150722C62}"/>
+                <a16:creationId xmlns:a16="http://schemas.microsoft.com/office/drawing/2014/main" id="{7D58172C-B299-C495-A528-EFEFCDE83D1A}"/>
               </a:ext>
             </a:extLst>
           </p:cNvPr>
@@ -2992,7 +2992,7 @@
             </a:lvl1pPr>
           </a:lstStyle>
           <a:p>
-            <a:fld id="{1EDCD499-5428-4884-8FEA-623EF4E5D25D}" type="slidenum">
+            <a:fld id="{DAA54E53-87F4-4645-9F7E-227ED385B92A}" type="slidenum">
               <a:rPr lang="zh-CN" altLang="en-US" smtClean="0"/>
               <a:t>‹#›</a:t>
             </a:fld>
@@ -3003,7 +3003,7 @@
     </p:spTree>
     <p:extLst>
       <p:ext uri="{BB962C8B-B14F-4D97-AF65-F5344CB8AC3E}">
-        <p14:creationId xmlns:p14="http://schemas.microsoft.com/office/powerpoint/2010/main" val="124461077"/>
+        <p14:creationId xmlns:p14="http://schemas.microsoft.com/office/powerpoint/2010/main" val="330884829"/>
       </p:ext>
     </p:extLst>
   </p:cSld>
